--- a/_book/plot/pro-survey-q14-pie-1.pptx
+++ b/_book/plot/pro-survey-q14-pie-1.pptx
@@ -3158,245 +3158,239 @@
           <p:spPr>
             <a:xfrm>
               <a:off x="5025569" y="1973107"/>
-              <a:ext cx="1808287" cy="1982286"/>
+              <a:ext cx="1808224" cy="1888766"/>
             </a:xfrm>
             <a:custGeom>
               <a:avLst/>
               <a:pathLst>
-                <a:path w="1808287" h="1982286">
+                <a:path w="1808224" h="1888766">
                   <a:moveTo>
                     <a:pt x="0" y="1808317"/>
                   </a:moveTo>
                   <a:lnTo>
-                    <a:pt x="62066" y="1814316"/>
-                  </a:lnTo>
-                  <a:lnTo>
-                    <a:pt x="124133" y="1820315"/>
-                  </a:lnTo>
-                  <a:lnTo>
-                    <a:pt x="186199" y="1826314"/>
-                  </a:lnTo>
-                  <a:lnTo>
-                    <a:pt x="248266" y="1832313"/>
-                  </a:lnTo>
-                  <a:lnTo>
-                    <a:pt x="310332" y="1838312"/>
-                  </a:lnTo>
-                  <a:lnTo>
-                    <a:pt x="372399" y="1844311"/>
-                  </a:lnTo>
-                  <a:lnTo>
-                    <a:pt x="434465" y="1850310"/>
-                  </a:lnTo>
-                  <a:lnTo>
-                    <a:pt x="496532" y="1856308"/>
-                  </a:lnTo>
-                  <a:lnTo>
-                    <a:pt x="558598" y="1862307"/>
-                  </a:lnTo>
-                  <a:lnTo>
-                    <a:pt x="620665" y="1868306"/>
-                  </a:lnTo>
-                  <a:lnTo>
-                    <a:pt x="682731" y="1874305"/>
-                  </a:lnTo>
-                  <a:lnTo>
-                    <a:pt x="744798" y="1880304"/>
-                  </a:lnTo>
-                  <a:lnTo>
-                    <a:pt x="806865" y="1886303"/>
-                  </a:lnTo>
-                  <a:lnTo>
-                    <a:pt x="868931" y="1892302"/>
-                  </a:lnTo>
-                  <a:lnTo>
-                    <a:pt x="930998" y="1898301"/>
-                  </a:lnTo>
-                  <a:lnTo>
-                    <a:pt x="993064" y="1904300"/>
-                  </a:lnTo>
-                  <a:lnTo>
-                    <a:pt x="1055131" y="1910299"/>
-                  </a:lnTo>
-                  <a:lnTo>
-                    <a:pt x="1117197" y="1916298"/>
-                  </a:lnTo>
-                  <a:lnTo>
-                    <a:pt x="1179264" y="1922297"/>
-                  </a:lnTo>
-                  <a:lnTo>
-                    <a:pt x="1241330" y="1928296"/>
-                  </a:lnTo>
-                  <a:lnTo>
-                    <a:pt x="1303397" y="1934295"/>
-                  </a:lnTo>
-                  <a:lnTo>
-                    <a:pt x="1365463" y="1940294"/>
-                  </a:lnTo>
-                  <a:lnTo>
-                    <a:pt x="1427530" y="1946293"/>
-                  </a:lnTo>
-                  <a:lnTo>
-                    <a:pt x="1489596" y="1952292"/>
-                  </a:lnTo>
-                  <a:lnTo>
-                    <a:pt x="1551663" y="1958291"/>
-                  </a:lnTo>
-                  <a:lnTo>
-                    <a:pt x="1613730" y="1964289"/>
-                  </a:lnTo>
-                  <a:lnTo>
-                    <a:pt x="1675796" y="1970288"/>
-                  </a:lnTo>
-                  <a:lnTo>
-                    <a:pt x="1737863" y="1976287"/>
-                  </a:lnTo>
-                  <a:lnTo>
-                    <a:pt x="1799929" y="1982286"/>
-                  </a:lnTo>
-                  <a:lnTo>
-                    <a:pt x="1804805" y="1920958"/>
-                  </a:lnTo>
-                  <a:lnTo>
-                    <a:pt x="1807592" y="1859498"/>
-                  </a:lnTo>
-                  <a:lnTo>
-                    <a:pt x="1808287" y="1797980"/>
-                  </a:lnTo>
-                  <a:lnTo>
-                    <a:pt x="1806889" y="1736474"/>
-                  </a:lnTo>
-                  <a:lnTo>
-                    <a:pt x="1803400" y="1675050"/>
-                  </a:lnTo>
-                  <a:lnTo>
-                    <a:pt x="1797823" y="1613781"/>
-                  </a:lnTo>
-                  <a:lnTo>
-                    <a:pt x="1790165" y="1552738"/>
-                  </a:lnTo>
-                  <a:lnTo>
-                    <a:pt x="1780435" y="1491990"/>
-                  </a:lnTo>
-                  <a:lnTo>
-                    <a:pt x="1768644" y="1431608"/>
-                  </a:lnTo>
-                  <a:lnTo>
-                    <a:pt x="1754806" y="1371662"/>
-                  </a:lnTo>
-                  <a:lnTo>
-                    <a:pt x="1738936" y="1312222"/>
-                  </a:lnTo>
-                  <a:lnTo>
-                    <a:pt x="1721054" y="1253356"/>
-                  </a:lnTo>
-                  <a:lnTo>
-                    <a:pt x="1701180" y="1195132"/>
-                  </a:lnTo>
-                  <a:lnTo>
-                    <a:pt x="1679337" y="1137618"/>
-                  </a:lnTo>
-                  <a:lnTo>
-                    <a:pt x="1655550" y="1080880"/>
-                  </a:lnTo>
-                  <a:lnTo>
-                    <a:pt x="1629847" y="1024984"/>
-                  </a:lnTo>
-                  <a:lnTo>
-                    <a:pt x="1602257" y="969995"/>
-                  </a:lnTo>
-                  <a:lnTo>
-                    <a:pt x="1572812" y="915977"/>
-                  </a:lnTo>
-                  <a:lnTo>
-                    <a:pt x="1541548" y="862991"/>
-                  </a:lnTo>
-                  <a:lnTo>
-                    <a:pt x="1508498" y="811099"/>
-                  </a:lnTo>
-                  <a:lnTo>
-                    <a:pt x="1473703" y="760362"/>
-                  </a:lnTo>
-                  <a:lnTo>
-                    <a:pt x="1437202" y="710837"/>
-                  </a:lnTo>
-                  <a:lnTo>
-                    <a:pt x="1399037" y="662583"/>
-                  </a:lnTo>
-                  <a:lnTo>
-                    <a:pt x="1359253" y="615656"/>
-                  </a:lnTo>
-                  <a:lnTo>
-                    <a:pt x="1317896" y="570108"/>
-                  </a:lnTo>
-                  <a:lnTo>
-                    <a:pt x="1275013" y="525994"/>
-                  </a:lnTo>
-                  <a:lnTo>
-                    <a:pt x="1230655" y="483364"/>
-                  </a:lnTo>
-                  <a:lnTo>
-                    <a:pt x="1184872" y="442268"/>
-                  </a:lnTo>
-                  <a:lnTo>
-                    <a:pt x="1137717" y="402753"/>
-                  </a:lnTo>
-                  <a:lnTo>
-                    <a:pt x="1089246" y="364865"/>
-                  </a:lnTo>
-                  <a:lnTo>
-                    <a:pt x="1039513" y="328647"/>
-                  </a:lnTo>
-                  <a:lnTo>
-                    <a:pt x="988578" y="294142"/>
-                  </a:lnTo>
-                  <a:lnTo>
-                    <a:pt x="936498" y="261390"/>
-                  </a:lnTo>
-                  <a:lnTo>
-                    <a:pt x="883335" y="230429"/>
-                  </a:lnTo>
-                  <a:lnTo>
-                    <a:pt x="829149" y="201294"/>
-                  </a:lnTo>
-                  <a:lnTo>
-                    <a:pt x="774003" y="174019"/>
-                  </a:lnTo>
-                  <a:lnTo>
-                    <a:pt x="717961" y="148635"/>
-                  </a:lnTo>
-                  <a:lnTo>
-                    <a:pt x="661088" y="125173"/>
-                  </a:lnTo>
-                  <a:lnTo>
-                    <a:pt x="603450" y="103659"/>
-                  </a:lnTo>
-                  <a:lnTo>
-                    <a:pt x="545114" y="84118"/>
-                  </a:lnTo>
-                  <a:lnTo>
-                    <a:pt x="486146" y="66573"/>
-                  </a:lnTo>
-                  <a:lnTo>
-                    <a:pt x="426616" y="51043"/>
-                  </a:lnTo>
-                  <a:lnTo>
-                    <a:pt x="366592" y="37548"/>
-                  </a:lnTo>
-                  <a:lnTo>
-                    <a:pt x="306144" y="26103"/>
-                  </a:lnTo>
-                  <a:lnTo>
-                    <a:pt x="245342" y="16720"/>
-                  </a:lnTo>
-                  <a:lnTo>
-                    <a:pt x="184255" y="9411"/>
-                  </a:lnTo>
-                  <a:lnTo>
-                    <a:pt x="122955" y="4184"/>
-                  </a:lnTo>
-                  <a:lnTo>
-                    <a:pt x="61513" y="1046"/>
+                    <a:pt x="62294" y="1811091"/>
+                  </a:lnTo>
+                  <a:lnTo>
+                    <a:pt x="124588" y="1813865"/>
+                  </a:lnTo>
+                  <a:lnTo>
+                    <a:pt x="186882" y="1816639"/>
+                  </a:lnTo>
+                  <a:lnTo>
+                    <a:pt x="249176" y="1819413"/>
+                  </a:lnTo>
+                  <a:lnTo>
+                    <a:pt x="311470" y="1822188"/>
+                  </a:lnTo>
+                  <a:lnTo>
+                    <a:pt x="373764" y="1824962"/>
+                  </a:lnTo>
+                  <a:lnTo>
+                    <a:pt x="436058" y="1827736"/>
+                  </a:lnTo>
+                  <a:lnTo>
+                    <a:pt x="498352" y="1830510"/>
+                  </a:lnTo>
+                  <a:lnTo>
+                    <a:pt x="560646" y="1833284"/>
+                  </a:lnTo>
+                  <a:lnTo>
+                    <a:pt x="622940" y="1836058"/>
+                  </a:lnTo>
+                  <a:lnTo>
+                    <a:pt x="685234" y="1838832"/>
+                  </a:lnTo>
+                  <a:lnTo>
+                    <a:pt x="747528" y="1841606"/>
+                  </a:lnTo>
+                  <a:lnTo>
+                    <a:pt x="809822" y="1844380"/>
+                  </a:lnTo>
+                  <a:lnTo>
+                    <a:pt x="872116" y="1847155"/>
+                  </a:lnTo>
+                  <a:lnTo>
+                    <a:pt x="934410" y="1849929"/>
+                  </a:lnTo>
+                  <a:lnTo>
+                    <a:pt x="996704" y="1852703"/>
+                  </a:lnTo>
+                  <a:lnTo>
+                    <a:pt x="1058998" y="1855477"/>
+                  </a:lnTo>
+                  <a:lnTo>
+                    <a:pt x="1121292" y="1858251"/>
+                  </a:lnTo>
+                  <a:lnTo>
+                    <a:pt x="1183586" y="1861025"/>
+                  </a:lnTo>
+                  <a:lnTo>
+                    <a:pt x="1245880" y="1863799"/>
+                  </a:lnTo>
+                  <a:lnTo>
+                    <a:pt x="1308174" y="1866573"/>
+                  </a:lnTo>
+                  <a:lnTo>
+                    <a:pt x="1370468" y="1869347"/>
+                  </a:lnTo>
+                  <a:lnTo>
+                    <a:pt x="1432762" y="1872122"/>
+                  </a:lnTo>
+                  <a:lnTo>
+                    <a:pt x="1495056" y="1874896"/>
+                  </a:lnTo>
+                  <a:lnTo>
+                    <a:pt x="1557350" y="1877670"/>
+                  </a:lnTo>
+                  <a:lnTo>
+                    <a:pt x="1619644" y="1880444"/>
+                  </a:lnTo>
+                  <a:lnTo>
+                    <a:pt x="1681938" y="1883218"/>
+                  </a:lnTo>
+                  <a:lnTo>
+                    <a:pt x="1744232" y="1885992"/>
+                  </a:lnTo>
+                  <a:lnTo>
+                    <a:pt x="1806527" y="1888766"/>
+                  </a:lnTo>
+                  <a:lnTo>
+                    <a:pt x="1808224" y="1826644"/>
+                  </a:lnTo>
+                  <a:lnTo>
+                    <a:pt x="1807786" y="1764500"/>
+                  </a:lnTo>
+                  <a:lnTo>
+                    <a:pt x="1805213" y="1702408"/>
+                  </a:lnTo>
+                  <a:lnTo>
+                    <a:pt x="1800508" y="1640441"/>
+                  </a:lnTo>
+                  <a:lnTo>
+                    <a:pt x="1793676" y="1578673"/>
+                  </a:lnTo>
+                  <a:lnTo>
+                    <a:pt x="1784726" y="1517175"/>
+                  </a:lnTo>
+                  <a:lnTo>
+                    <a:pt x="1773668" y="1456022"/>
+                  </a:lnTo>
+                  <a:lnTo>
+                    <a:pt x="1760515" y="1395284"/>
+                  </a:lnTo>
+                  <a:lnTo>
+                    <a:pt x="1745283" y="1335034"/>
+                  </a:lnTo>
+                  <a:lnTo>
+                    <a:pt x="1727990" y="1275344"/>
+                  </a:lnTo>
+                  <a:lnTo>
+                    <a:pt x="1708656" y="1216282"/>
+                  </a:lnTo>
+                  <a:lnTo>
+                    <a:pt x="1687304" y="1157920"/>
+                  </a:lnTo>
+                  <a:lnTo>
+                    <a:pt x="1663959" y="1100326"/>
+                  </a:lnTo>
+                  <a:lnTo>
+                    <a:pt x="1638649" y="1043569"/>
+                  </a:lnTo>
+                  <a:lnTo>
+                    <a:pt x="1611403" y="987714"/>
+                  </a:lnTo>
+                  <a:lnTo>
+                    <a:pt x="1582255" y="932829"/>
+                  </a:lnTo>
+                  <a:lnTo>
+                    <a:pt x="1551238" y="878977"/>
+                  </a:lnTo>
+                  <a:lnTo>
+                    <a:pt x="1518388" y="826223"/>
+                  </a:lnTo>
+                  <a:lnTo>
+                    <a:pt x="1483746" y="774630"/>
+                  </a:lnTo>
+                  <a:lnTo>
+                    <a:pt x="1447351" y="724257"/>
+                  </a:lnTo>
+                  <a:lnTo>
+                    <a:pt x="1409246" y="675164"/>
+                  </a:lnTo>
+                  <a:lnTo>
+                    <a:pt x="1369477" y="627409"/>
+                  </a:lnTo>
+                  <a:lnTo>
+                    <a:pt x="1328091" y="581050"/>
+                  </a:lnTo>
+                  <a:lnTo>
+                    <a:pt x="1285136" y="536140"/>
+                  </a:lnTo>
+                  <a:lnTo>
+                    <a:pt x="1240664" y="492732"/>
+                  </a:lnTo>
+                  <a:lnTo>
+                    <a:pt x="1194726" y="450878"/>
+                  </a:lnTo>
+                  <a:lnTo>
+                    <a:pt x="1147377" y="410627"/>
+                  </a:lnTo>
+                  <a:lnTo>
+                    <a:pt x="1098673" y="372027"/>
+                  </a:lnTo>
+                  <a:lnTo>
+                    <a:pt x="1048671" y="335123"/>
+                  </a:lnTo>
+                  <a:lnTo>
+                    <a:pt x="997431" y="299960"/>
+                  </a:lnTo>
+                  <a:lnTo>
+                    <a:pt x="945013" y="266577"/>
+                  </a:lnTo>
+                  <a:lnTo>
+                    <a:pt x="891479" y="235016"/>
+                  </a:lnTo>
+                  <a:lnTo>
+                    <a:pt x="836892" y="205312"/>
+                  </a:lnTo>
+                  <a:lnTo>
+                    <a:pt x="781316" y="177502"/>
+                  </a:lnTo>
+                  <a:lnTo>
+                    <a:pt x="724818" y="151618"/>
+                  </a:lnTo>
+                  <a:lnTo>
+                    <a:pt x="667464" y="127691"/>
+                  </a:lnTo>
+                  <a:lnTo>
+                    <a:pt x="609321" y="105748"/>
+                  </a:lnTo>
+                  <a:lnTo>
+                    <a:pt x="550459" y="85817"/>
+                  </a:lnTo>
+                  <a:lnTo>
+                    <a:pt x="490946" y="67919"/>
+                  </a:lnTo>
+                  <a:lnTo>
+                    <a:pt x="430854" y="52078"/>
+                  </a:lnTo>
+                  <a:lnTo>
+                    <a:pt x="370253" y="38310"/>
+                  </a:lnTo>
+                  <a:lnTo>
+                    <a:pt x="309214" y="26633"/>
+                  </a:lnTo>
+                  <a:lnTo>
+                    <a:pt x="247811" y="17060"/>
+                  </a:lnTo>
+                  <a:lnTo>
+                    <a:pt x="186115" y="9603"/>
+                  </a:lnTo>
+                  <a:lnTo>
+                    <a:pt x="124198" y="4270"/>
+                  </a:lnTo>
+                  <a:lnTo>
+                    <a:pt x="62136" y="1067"/>
                   </a:lnTo>
                   <a:lnTo>
                     <a:pt x="0" y="0"/>
@@ -3518,594 +3512,597 @@
           </p:nvSpPr>
           <p:spPr>
             <a:xfrm>
-              <a:off x="3217333" y="1973107"/>
-              <a:ext cx="3608165" cy="3616432"/>
+              <a:off x="3217263" y="1973107"/>
+              <a:ext cx="3614833" cy="3616591"/>
             </a:xfrm>
             <a:custGeom>
               <a:avLst/>
               <a:pathLst>
-                <a:path w="3608165" h="3616432">
+                <a:path w="3614833" h="3616591">
                   <a:moveTo>
-                    <a:pt x="1808236" y="1808317"/>
+                    <a:pt x="1808306" y="1808317"/>
                   </a:moveTo>
                   <a:lnTo>
-                    <a:pt x="1808236" y="1745961"/>
-                  </a:lnTo>
-                  <a:lnTo>
-                    <a:pt x="1808236" y="1683605"/>
-                  </a:lnTo>
-                  <a:lnTo>
-                    <a:pt x="1808236" y="1621250"/>
-                  </a:lnTo>
-                  <a:lnTo>
-                    <a:pt x="1808236" y="1558894"/>
-                  </a:lnTo>
-                  <a:lnTo>
-                    <a:pt x="1808236" y="1496538"/>
-                  </a:lnTo>
-                  <a:lnTo>
-                    <a:pt x="1808236" y="1434182"/>
-                  </a:lnTo>
-                  <a:lnTo>
-                    <a:pt x="1808236" y="1371827"/>
-                  </a:lnTo>
-                  <a:lnTo>
-                    <a:pt x="1808236" y="1309471"/>
-                  </a:lnTo>
-                  <a:lnTo>
-                    <a:pt x="1808236" y="1247115"/>
-                  </a:lnTo>
-                  <a:lnTo>
-                    <a:pt x="1808236" y="1184759"/>
-                  </a:lnTo>
-                  <a:lnTo>
-                    <a:pt x="1808236" y="1122403"/>
-                  </a:lnTo>
-                  <a:lnTo>
-                    <a:pt x="1808236" y="1060048"/>
-                  </a:lnTo>
-                  <a:lnTo>
-                    <a:pt x="1808236" y="997692"/>
-                  </a:lnTo>
-                  <a:lnTo>
-                    <a:pt x="1808236" y="935336"/>
-                  </a:lnTo>
-                  <a:lnTo>
-                    <a:pt x="1808236" y="872980"/>
-                  </a:lnTo>
-                  <a:lnTo>
-                    <a:pt x="1808236" y="810625"/>
-                  </a:lnTo>
-                  <a:lnTo>
-                    <a:pt x="1808236" y="748269"/>
-                  </a:lnTo>
-                  <a:lnTo>
-                    <a:pt x="1808236" y="685913"/>
-                  </a:lnTo>
-                  <a:lnTo>
-                    <a:pt x="1808236" y="623557"/>
-                  </a:lnTo>
-                  <a:lnTo>
-                    <a:pt x="1808236" y="561201"/>
-                  </a:lnTo>
-                  <a:lnTo>
-                    <a:pt x="1808236" y="498846"/>
-                  </a:lnTo>
-                  <a:lnTo>
-                    <a:pt x="1808236" y="436490"/>
-                  </a:lnTo>
-                  <a:lnTo>
-                    <a:pt x="1808236" y="374134"/>
-                  </a:lnTo>
-                  <a:lnTo>
-                    <a:pt x="1808236" y="311778"/>
-                  </a:lnTo>
-                  <a:lnTo>
-                    <a:pt x="1808236" y="249423"/>
-                  </a:lnTo>
-                  <a:lnTo>
-                    <a:pt x="1808236" y="187067"/>
-                  </a:lnTo>
-                  <a:lnTo>
-                    <a:pt x="1808236" y="124711"/>
-                  </a:lnTo>
-                  <a:lnTo>
-                    <a:pt x="1808236" y="62355"/>
-                  </a:lnTo>
-                  <a:lnTo>
-                    <a:pt x="1808236" y="0"/>
-                  </a:lnTo>
-                  <a:lnTo>
-                    <a:pt x="1746870" y="1041"/>
-                  </a:lnTo>
-                  <a:lnTo>
-                    <a:pt x="1685576" y="4164"/>
-                  </a:lnTo>
-                  <a:lnTo>
-                    <a:pt x="1624423" y="9366"/>
-                  </a:lnTo>
-                  <a:lnTo>
-                    <a:pt x="1563481" y="16640"/>
-                  </a:lnTo>
-                  <a:lnTo>
-                    <a:pt x="1502822" y="25977"/>
-                  </a:lnTo>
-                  <a:lnTo>
-                    <a:pt x="1442514" y="37368"/>
-                  </a:lnTo>
-                  <a:lnTo>
-                    <a:pt x="1382628" y="50799"/>
-                  </a:lnTo>
-                  <a:lnTo>
-                    <a:pt x="1323232" y="66254"/>
-                  </a:lnTo>
-                  <a:lnTo>
-                    <a:pt x="1264395" y="83716"/>
-                  </a:lnTo>
-                  <a:lnTo>
-                    <a:pt x="1206184" y="103164"/>
-                  </a:lnTo>
-                  <a:lnTo>
-                    <a:pt x="1148666" y="124577"/>
-                  </a:lnTo>
-                  <a:lnTo>
-                    <a:pt x="1091908" y="147929"/>
-                  </a:lnTo>
-                  <a:lnTo>
-                    <a:pt x="1035976" y="173194"/>
-                  </a:lnTo>
-                  <a:lnTo>
-                    <a:pt x="980933" y="200342"/>
-                  </a:lnTo>
-                  <a:lnTo>
-                    <a:pt x="926843" y="229343"/>
-                  </a:lnTo>
-                  <a:lnTo>
-                    <a:pt x="873768" y="260162"/>
-                  </a:lnTo>
-                  <a:lnTo>
-                    <a:pt x="821770" y="292765"/>
-                  </a:lnTo>
-                  <a:lnTo>
-                    <a:pt x="770908" y="327114"/>
-                  </a:lnTo>
-                  <a:lnTo>
-                    <a:pt x="721241" y="363168"/>
-                  </a:lnTo>
-                  <a:lnTo>
-                    <a:pt x="672826" y="400888"/>
-                  </a:lnTo>
-                  <a:lnTo>
-                    <a:pt x="625719" y="440228"/>
-                  </a:lnTo>
-                  <a:lnTo>
-                    <a:pt x="579974" y="481145"/>
-                  </a:lnTo>
-                  <a:lnTo>
-                    <a:pt x="535644" y="523590"/>
-                  </a:lnTo>
-                  <a:lnTo>
-                    <a:pt x="492780" y="567515"/>
-                  </a:lnTo>
-                  <a:lnTo>
-                    <a:pt x="451431" y="612870"/>
-                  </a:lnTo>
-                  <a:lnTo>
-                    <a:pt x="411645" y="659602"/>
-                  </a:lnTo>
-                  <a:lnTo>
-                    <a:pt x="373468" y="707656"/>
-                  </a:lnTo>
-                  <a:lnTo>
-                    <a:pt x="336943" y="756979"/>
-                  </a:lnTo>
-                  <a:lnTo>
-                    <a:pt x="302114" y="807513"/>
-                  </a:lnTo>
-                  <a:lnTo>
-                    <a:pt x="269019" y="859199"/>
-                  </a:lnTo>
-                  <a:lnTo>
-                    <a:pt x="237697" y="911979"/>
-                  </a:lnTo>
-                  <a:lnTo>
-                    <a:pt x="208185" y="965791"/>
-                  </a:lnTo>
-                  <a:lnTo>
-                    <a:pt x="180515" y="1020574"/>
-                  </a:lnTo>
-                  <a:lnTo>
-                    <a:pt x="154721" y="1076265"/>
-                  </a:lnTo>
-                  <a:lnTo>
-                    <a:pt x="130831" y="1132798"/>
-                  </a:lnTo>
-                  <a:lnTo>
-                    <a:pt x="108873" y="1190110"/>
-                  </a:lnTo>
-                  <a:lnTo>
-                    <a:pt x="88873" y="1248133"/>
-                  </a:lnTo>
-                  <a:lnTo>
-                    <a:pt x="70854" y="1306803"/>
-                  </a:lnTo>
-                  <a:lnTo>
-                    <a:pt x="54836" y="1366049"/>
-                  </a:lnTo>
-                  <a:lnTo>
-                    <a:pt x="40837" y="1425805"/>
-                  </a:lnTo>
-                  <a:lnTo>
-                    <a:pt x="28875" y="1486002"/>
-                  </a:lnTo>
-                  <a:lnTo>
-                    <a:pt x="18962" y="1546570"/>
-                  </a:lnTo>
-                  <a:lnTo>
-                    <a:pt x="11110" y="1607440"/>
-                  </a:lnTo>
-                  <a:lnTo>
-                    <a:pt x="5328" y="1668541"/>
-                  </a:lnTo>
-                  <a:lnTo>
-                    <a:pt x="1623" y="1729803"/>
-                  </a:lnTo>
-                  <a:lnTo>
-                    <a:pt x="0" y="1791156"/>
-                  </a:lnTo>
-                  <a:lnTo>
-                    <a:pt x="459" y="1852528"/>
-                  </a:lnTo>
-                  <a:lnTo>
-                    <a:pt x="3000" y="1913849"/>
-                  </a:lnTo>
-                  <a:lnTo>
-                    <a:pt x="7621" y="1975049"/>
-                  </a:lnTo>
-                  <a:lnTo>
-                    <a:pt x="14316" y="2036056"/>
-                  </a:lnTo>
-                  <a:lnTo>
-                    <a:pt x="23078" y="2096802"/>
-                  </a:lnTo>
-                  <a:lnTo>
-                    <a:pt x="33896" y="2157215"/>
-                  </a:lnTo>
-                  <a:lnTo>
-                    <a:pt x="46757" y="2217226"/>
-                  </a:lnTo>
-                  <a:lnTo>
-                    <a:pt x="61648" y="2276766"/>
-                  </a:lnTo>
-                  <a:lnTo>
-                    <a:pt x="78551" y="2335767"/>
-                  </a:lnTo>
-                  <a:lnTo>
-                    <a:pt x="97446" y="2394159"/>
-                  </a:lnTo>
-                  <a:lnTo>
-                    <a:pt x="118312" y="2451878"/>
-                  </a:lnTo>
-                  <a:lnTo>
-                    <a:pt x="141124" y="2508854"/>
-                  </a:lnTo>
-                  <a:lnTo>
-                    <a:pt x="165857" y="2565024"/>
-                  </a:lnTo>
-                  <a:lnTo>
-                    <a:pt x="192482" y="2620322"/>
-                  </a:lnTo>
-                  <a:lnTo>
-                    <a:pt x="220968" y="2674685"/>
-                  </a:lnTo>
-                  <a:lnTo>
-                    <a:pt x="251282" y="2728050"/>
-                  </a:lnTo>
-                  <a:lnTo>
-                    <a:pt x="283390" y="2780355"/>
-                  </a:lnTo>
-                  <a:lnTo>
-                    <a:pt x="317254" y="2831541"/>
-                  </a:lnTo>
-                  <a:lnTo>
-                    <a:pt x="352836" y="2881548"/>
-                  </a:lnTo>
-                  <a:lnTo>
-                    <a:pt x="390094" y="2930319"/>
-                  </a:lnTo>
-                  <a:lnTo>
-                    <a:pt x="428986" y="2977797"/>
-                  </a:lnTo>
-                  <a:lnTo>
-                    <a:pt x="469467" y="3023928"/>
-                  </a:lnTo>
-                  <a:lnTo>
-                    <a:pt x="511489" y="3068659"/>
-                  </a:lnTo>
-                  <a:lnTo>
-                    <a:pt x="555006" y="3111938"/>
-                  </a:lnTo>
-                  <a:lnTo>
-                    <a:pt x="599966" y="3153715"/>
-                  </a:lnTo>
-                  <a:lnTo>
-                    <a:pt x="646318" y="3193943"/>
-                  </a:lnTo>
-                  <a:lnTo>
-                    <a:pt x="694008" y="3232574"/>
-                  </a:lnTo>
-                  <a:lnTo>
-                    <a:pt x="742982" y="3269565"/>
-                  </a:lnTo>
-                  <a:lnTo>
-                    <a:pt x="793183" y="3304873"/>
-                  </a:lnTo>
-                  <a:lnTo>
-                    <a:pt x="844553" y="3338457"/>
-                  </a:lnTo>
-                  <a:lnTo>
-                    <a:pt x="897033" y="3370278"/>
-                  </a:lnTo>
-                  <a:lnTo>
-                    <a:pt x="950563" y="3400300"/>
-                  </a:lnTo>
-                  <a:lnTo>
-                    <a:pt x="1005081" y="3428488"/>
-                  </a:lnTo>
-                  <a:lnTo>
-                    <a:pt x="1060524" y="3454810"/>
-                  </a:lnTo>
-                  <a:lnTo>
-                    <a:pt x="1116828" y="3479235"/>
-                  </a:lnTo>
-                  <a:lnTo>
-                    <a:pt x="1173929" y="3501736"/>
-                  </a:lnTo>
-                  <a:lnTo>
-                    <a:pt x="1231760" y="3522285"/>
-                  </a:lnTo>
-                  <a:lnTo>
-                    <a:pt x="1290255" y="3540861"/>
-                  </a:lnTo>
-                  <a:lnTo>
-                    <a:pt x="1349348" y="3557441"/>
-                  </a:lnTo>
-                  <a:lnTo>
-                    <a:pt x="1408968" y="3572006"/>
-                  </a:lnTo>
-                  <a:lnTo>
-                    <a:pt x="1469049" y="3584539"/>
-                  </a:lnTo>
-                  <a:lnTo>
-                    <a:pt x="1529520" y="3595026"/>
-                  </a:lnTo>
-                  <a:lnTo>
-                    <a:pt x="1590312" y="3603455"/>
-                  </a:lnTo>
-                  <a:lnTo>
-                    <a:pt x="1651356" y="3609817"/>
-                  </a:lnTo>
-                  <a:lnTo>
-                    <a:pt x="1712580" y="3614103"/>
-                  </a:lnTo>
-                  <a:lnTo>
-                    <a:pt x="1773914" y="3616309"/>
-                  </a:lnTo>
-                  <a:lnTo>
-                    <a:pt x="1835288" y="3616432"/>
-                  </a:lnTo>
-                  <a:lnTo>
-                    <a:pt x="1896631" y="3614473"/>
-                  </a:lnTo>
-                  <a:lnTo>
-                    <a:pt x="1957871" y="3610433"/>
-                  </a:lnTo>
-                  <a:lnTo>
-                    <a:pt x="2018940" y="3604317"/>
-                  </a:lnTo>
-                  <a:lnTo>
-                    <a:pt x="2079766" y="3596132"/>
-                  </a:lnTo>
-                  <a:lnTo>
-                    <a:pt x="2140279" y="3585888"/>
-                  </a:lnTo>
-                  <a:lnTo>
-                    <a:pt x="2200409" y="3573596"/>
-                  </a:lnTo>
-                  <a:lnTo>
-                    <a:pt x="2260088" y="3559271"/>
-                  </a:lnTo>
-                  <a:lnTo>
-                    <a:pt x="2319246" y="3542929"/>
-                  </a:lnTo>
-                  <a:lnTo>
-                    <a:pt x="2377816" y="3524589"/>
-                  </a:lnTo>
-                  <a:lnTo>
-                    <a:pt x="2435729" y="3504272"/>
-                  </a:lnTo>
-                  <a:lnTo>
-                    <a:pt x="2492920" y="3482001"/>
-                  </a:lnTo>
-                  <a:lnTo>
-                    <a:pt x="2549322" y="3457803"/>
-                  </a:lnTo>
-                  <a:lnTo>
-                    <a:pt x="2604870" y="3431704"/>
-                  </a:lnTo>
-                  <a:lnTo>
-                    <a:pt x="2659501" y="3403735"/>
-                  </a:lnTo>
-                  <a:lnTo>
-                    <a:pt x="2713151" y="3373929"/>
-                  </a:lnTo>
-                  <a:lnTo>
-                    <a:pt x="2765759" y="3342319"/>
-                  </a:lnTo>
-                  <a:lnTo>
-                    <a:pt x="2817263" y="3308942"/>
-                  </a:lnTo>
-                  <a:lnTo>
-                    <a:pt x="2867606" y="3273836"/>
-                  </a:lnTo>
-                  <a:lnTo>
-                    <a:pt x="2916728" y="3237042"/>
-                  </a:lnTo>
-                  <a:lnTo>
-                    <a:pt x="2964573" y="3198603"/>
-                  </a:lnTo>
-                  <a:lnTo>
-                    <a:pt x="3011086" y="3158562"/>
-                  </a:lnTo>
-                  <a:lnTo>
-                    <a:pt x="3056214" y="3116966"/>
-                  </a:lnTo>
-                  <a:lnTo>
-                    <a:pt x="3099904" y="3073862"/>
-                  </a:lnTo>
-                  <a:lnTo>
-                    <a:pt x="3142106" y="3029300"/>
-                  </a:lnTo>
-                  <a:lnTo>
-                    <a:pt x="3182772" y="2983332"/>
-                  </a:lnTo>
-                  <a:lnTo>
-                    <a:pt x="3221855" y="2936011"/>
-                  </a:lnTo>
-                  <a:lnTo>
-                    <a:pt x="3259309" y="2887390"/>
-                  </a:lnTo>
-                  <a:lnTo>
-                    <a:pt x="3295091" y="2837527"/>
-                  </a:lnTo>
-                  <a:lnTo>
-                    <a:pt x="3329161" y="2786478"/>
-                  </a:lnTo>
-                  <a:lnTo>
-                    <a:pt x="3361479" y="2734302"/>
-                  </a:lnTo>
-                  <a:lnTo>
-                    <a:pt x="3392007" y="2681059"/>
-                  </a:lnTo>
-                  <a:lnTo>
-                    <a:pt x="3420712" y="2626811"/>
-                  </a:lnTo>
-                  <a:lnTo>
-                    <a:pt x="3447558" y="2571621"/>
-                  </a:lnTo>
-                  <a:lnTo>
-                    <a:pt x="3472517" y="2515551"/>
-                  </a:lnTo>
-                  <a:lnTo>
-                    <a:pt x="3495558" y="2458666"/>
-                  </a:lnTo>
-                  <a:lnTo>
-                    <a:pt x="3516656" y="2401032"/>
-                  </a:lnTo>
-                  <a:lnTo>
-                    <a:pt x="3535786" y="2342716"/>
-                  </a:lnTo>
-                  <a:lnTo>
-                    <a:pt x="3552925" y="2283784"/>
-                  </a:lnTo>
-                  <a:lnTo>
-                    <a:pt x="3568056" y="2224304"/>
-                  </a:lnTo>
-                  <a:lnTo>
-                    <a:pt x="3581158" y="2164345"/>
-                  </a:lnTo>
-                  <a:lnTo>
-                    <a:pt x="3592219" y="2103976"/>
-                  </a:lnTo>
-                  <a:lnTo>
-                    <a:pt x="3601225" y="2043267"/>
-                  </a:lnTo>
-                  <a:lnTo>
-                    <a:pt x="3608165" y="1982286"/>
-                  </a:lnTo>
-                  <a:lnTo>
-                    <a:pt x="3546099" y="1976287"/>
-                  </a:lnTo>
-                  <a:lnTo>
-                    <a:pt x="3484032" y="1970288"/>
-                  </a:lnTo>
-                  <a:lnTo>
-                    <a:pt x="3421966" y="1964289"/>
-                  </a:lnTo>
-                  <a:lnTo>
-                    <a:pt x="3359899" y="1958291"/>
-                  </a:lnTo>
-                  <a:lnTo>
-                    <a:pt x="3297832" y="1952292"/>
-                  </a:lnTo>
-                  <a:lnTo>
-                    <a:pt x="3235766" y="1946293"/>
-                  </a:lnTo>
-                  <a:lnTo>
-                    <a:pt x="3173699" y="1940294"/>
-                  </a:lnTo>
-                  <a:lnTo>
-                    <a:pt x="3111633" y="1934295"/>
-                  </a:lnTo>
-                  <a:lnTo>
-                    <a:pt x="3049566" y="1928296"/>
-                  </a:lnTo>
-                  <a:lnTo>
-                    <a:pt x="2987500" y="1922297"/>
-                  </a:lnTo>
-                  <a:lnTo>
-                    <a:pt x="2925433" y="1916298"/>
-                  </a:lnTo>
-                  <a:lnTo>
-                    <a:pt x="2863367" y="1910299"/>
-                  </a:lnTo>
-                  <a:lnTo>
-                    <a:pt x="2801300" y="1904300"/>
-                  </a:lnTo>
-                  <a:lnTo>
-                    <a:pt x="2739234" y="1898301"/>
-                  </a:lnTo>
-                  <a:lnTo>
-                    <a:pt x="2677167" y="1892302"/>
-                  </a:lnTo>
-                  <a:lnTo>
-                    <a:pt x="2615101" y="1886303"/>
-                  </a:lnTo>
-                  <a:lnTo>
-                    <a:pt x="2553034" y="1880304"/>
-                  </a:lnTo>
-                  <a:lnTo>
-                    <a:pt x="2490967" y="1874305"/>
-                  </a:lnTo>
-                  <a:lnTo>
-                    <a:pt x="2428901" y="1868306"/>
-                  </a:lnTo>
-                  <a:lnTo>
-                    <a:pt x="2366834" y="1862307"/>
-                  </a:lnTo>
-                  <a:lnTo>
-                    <a:pt x="2304768" y="1856308"/>
-                  </a:lnTo>
-                  <a:lnTo>
-                    <a:pt x="2242701" y="1850310"/>
-                  </a:lnTo>
-                  <a:lnTo>
-                    <a:pt x="2180635" y="1844311"/>
-                  </a:lnTo>
-                  <a:lnTo>
-                    <a:pt x="2118568" y="1838312"/>
-                  </a:lnTo>
-                  <a:lnTo>
-                    <a:pt x="2056502" y="1832313"/>
-                  </a:lnTo>
-                  <a:lnTo>
-                    <a:pt x="1994435" y="1826314"/>
-                  </a:lnTo>
-                  <a:lnTo>
-                    <a:pt x="1932369" y="1820315"/>
-                  </a:lnTo>
-                  <a:lnTo>
-                    <a:pt x="1870302" y="1814316"/>
+                    <a:pt x="1808306" y="1745961"/>
+                  </a:lnTo>
+                  <a:lnTo>
+                    <a:pt x="1808306" y="1683605"/>
+                  </a:lnTo>
+                  <a:lnTo>
+                    <a:pt x="1808306" y="1621250"/>
+                  </a:lnTo>
+                  <a:lnTo>
+                    <a:pt x="1808306" y="1558894"/>
+                  </a:lnTo>
+                  <a:lnTo>
+                    <a:pt x="1808306" y="1496538"/>
+                  </a:lnTo>
+                  <a:lnTo>
+                    <a:pt x="1808306" y="1434182"/>
+                  </a:lnTo>
+                  <a:lnTo>
+                    <a:pt x="1808306" y="1371827"/>
+                  </a:lnTo>
+                  <a:lnTo>
+                    <a:pt x="1808306" y="1309471"/>
+                  </a:lnTo>
+                  <a:lnTo>
+                    <a:pt x="1808306" y="1247115"/>
+                  </a:lnTo>
+                  <a:lnTo>
+                    <a:pt x="1808306" y="1184759"/>
+                  </a:lnTo>
+                  <a:lnTo>
+                    <a:pt x="1808306" y="1122403"/>
+                  </a:lnTo>
+                  <a:lnTo>
+                    <a:pt x="1808306" y="1060048"/>
+                  </a:lnTo>
+                  <a:lnTo>
+                    <a:pt x="1808306" y="997692"/>
+                  </a:lnTo>
+                  <a:lnTo>
+                    <a:pt x="1808306" y="935336"/>
+                  </a:lnTo>
+                  <a:lnTo>
+                    <a:pt x="1808306" y="872980"/>
+                  </a:lnTo>
+                  <a:lnTo>
+                    <a:pt x="1808306" y="810625"/>
+                  </a:lnTo>
+                  <a:lnTo>
+                    <a:pt x="1808306" y="748269"/>
+                  </a:lnTo>
+                  <a:lnTo>
+                    <a:pt x="1808306" y="685913"/>
+                  </a:lnTo>
+                  <a:lnTo>
+                    <a:pt x="1808306" y="623557"/>
+                  </a:lnTo>
+                  <a:lnTo>
+                    <a:pt x="1808306" y="561201"/>
+                  </a:lnTo>
+                  <a:lnTo>
+                    <a:pt x="1808306" y="498846"/>
+                  </a:lnTo>
+                  <a:lnTo>
+                    <a:pt x="1808306" y="436490"/>
+                  </a:lnTo>
+                  <a:lnTo>
+                    <a:pt x="1808306" y="374134"/>
+                  </a:lnTo>
+                  <a:lnTo>
+                    <a:pt x="1808306" y="311778"/>
+                  </a:lnTo>
+                  <a:lnTo>
+                    <a:pt x="1808306" y="249423"/>
+                  </a:lnTo>
+                  <a:lnTo>
+                    <a:pt x="1808306" y="187067"/>
+                  </a:lnTo>
+                  <a:lnTo>
+                    <a:pt x="1808306" y="124711"/>
+                  </a:lnTo>
+                  <a:lnTo>
+                    <a:pt x="1808306" y="62355"/>
+                  </a:lnTo>
+                  <a:lnTo>
+                    <a:pt x="1808306" y="0"/>
+                  </a:lnTo>
+                  <a:lnTo>
+                    <a:pt x="1746705" y="1049"/>
+                  </a:lnTo>
+                  <a:lnTo>
+                    <a:pt x="1685175" y="4196"/>
+                  </a:lnTo>
+                  <a:lnTo>
+                    <a:pt x="1623788" y="9438"/>
+                  </a:lnTo>
+                  <a:lnTo>
+                    <a:pt x="1562615" y="16768"/>
+                  </a:lnTo>
+                  <a:lnTo>
+                    <a:pt x="1501728" y="26177"/>
+                  </a:lnTo>
+                  <a:lnTo>
+                    <a:pt x="1441196" y="37655"/>
+                  </a:lnTo>
+                  <a:lnTo>
+                    <a:pt x="1381090" y="51189"/>
+                  </a:lnTo>
+                  <a:lnTo>
+                    <a:pt x="1321481" y="66762"/>
+                  </a:lnTo>
+                  <a:lnTo>
+                    <a:pt x="1262436" y="84357"/>
+                  </a:lnTo>
+                  <a:lnTo>
+                    <a:pt x="1204025" y="103953"/>
+                  </a:lnTo>
+                  <a:lnTo>
+                    <a:pt x="1146316" y="125527"/>
+                  </a:lnTo>
+                  <a:lnTo>
+                    <a:pt x="1089375" y="149055"/>
+                  </a:lnTo>
+                  <a:lnTo>
+                    <a:pt x="1033269" y="174509"/>
+                  </a:lnTo>
+                  <a:lnTo>
+                    <a:pt x="978062" y="201859"/>
+                  </a:lnTo>
+                  <a:lnTo>
+                    <a:pt x="923819" y="231074"/>
+                  </a:lnTo>
+                  <a:lnTo>
+                    <a:pt x="870603" y="262120"/>
+                  </a:lnTo>
+                  <a:lnTo>
+                    <a:pt x="818475" y="294961"/>
+                  </a:lnTo>
+                  <a:lnTo>
+                    <a:pt x="767496" y="329559"/>
+                  </a:lnTo>
+                  <a:lnTo>
+                    <a:pt x="717725" y="365873"/>
+                  </a:lnTo>
+                  <a:lnTo>
+                    <a:pt x="669221" y="403861"/>
+                  </a:lnTo>
+                  <a:lnTo>
+                    <a:pt x="622038" y="443480"/>
+                  </a:lnTo>
+                  <a:lnTo>
+                    <a:pt x="576233" y="484683"/>
+                  </a:lnTo>
+                  <a:lnTo>
+                    <a:pt x="531857" y="527422"/>
+                  </a:lnTo>
+                  <a:lnTo>
+                    <a:pt x="488964" y="571649"/>
+                  </a:lnTo>
+                  <a:lnTo>
+                    <a:pt x="447602" y="617311"/>
+                  </a:lnTo>
+                  <a:lnTo>
+                    <a:pt x="407819" y="664355"/>
+                  </a:lnTo>
+                  <a:lnTo>
+                    <a:pt x="369662" y="712727"/>
+                  </a:lnTo>
+                  <a:lnTo>
+                    <a:pt x="333175" y="762372"/>
+                  </a:lnTo>
+                  <a:lnTo>
+                    <a:pt x="298401" y="813230"/>
+                  </a:lnTo>
+                  <a:lnTo>
+                    <a:pt x="265379" y="865243"/>
+                  </a:lnTo>
+                  <a:lnTo>
+                    <a:pt x="234148" y="918351"/>
+                  </a:lnTo>
+                  <a:lnTo>
+                    <a:pt x="204745" y="972492"/>
+                  </a:lnTo>
+                  <a:lnTo>
+                    <a:pt x="177203" y="1027604"/>
+                  </a:lnTo>
+                  <a:lnTo>
+                    <a:pt x="151554" y="1083621"/>
+                  </a:lnTo>
+                  <a:lnTo>
+                    <a:pt x="127828" y="1140480"/>
+                  </a:lnTo>
+                  <a:lnTo>
+                    <a:pt x="106053" y="1198114"/>
+                  </a:lnTo>
+                  <a:lnTo>
+                    <a:pt x="86254" y="1256456"/>
+                  </a:lnTo>
+                  <a:lnTo>
+                    <a:pt x="68454" y="1315439"/>
+                  </a:lnTo>
+                  <a:lnTo>
+                    <a:pt x="52674" y="1374994"/>
+                  </a:lnTo>
+                  <a:lnTo>
+                    <a:pt x="38932" y="1435053"/>
+                  </a:lnTo>
+                  <a:lnTo>
+                    <a:pt x="27243" y="1495544"/>
+                  </a:lnTo>
+                  <a:lnTo>
+                    <a:pt x="17622" y="1556398"/>
+                  </a:lnTo>
+                  <a:lnTo>
+                    <a:pt x="10080" y="1617545"/>
+                  </a:lnTo>
+                  <a:lnTo>
+                    <a:pt x="4625" y="1678914"/>
+                  </a:lnTo>
+                  <a:lnTo>
+                    <a:pt x="1263" y="1740432"/>
+                  </a:lnTo>
+                  <a:lnTo>
+                    <a:pt x="0" y="1802029"/>
+                  </a:lnTo>
+                  <a:lnTo>
+                    <a:pt x="835" y="1863634"/>
+                  </a:lnTo>
+                  <a:lnTo>
+                    <a:pt x="3768" y="1925174"/>
+                  </a:lnTo>
+                  <a:lnTo>
+                    <a:pt x="8796" y="1986579"/>
+                  </a:lnTo>
+                  <a:lnTo>
+                    <a:pt x="15914" y="2047777"/>
+                  </a:lnTo>
+                  <a:lnTo>
+                    <a:pt x="25111" y="2108697"/>
+                  </a:lnTo>
+                  <a:lnTo>
+                    <a:pt x="36379" y="2169268"/>
+                  </a:lnTo>
+                  <a:lnTo>
+                    <a:pt x="49703" y="2229420"/>
+                  </a:lnTo>
+                  <a:lnTo>
+                    <a:pt x="65069" y="2289084"/>
+                  </a:lnTo>
+                  <a:lnTo>
+                    <a:pt x="82458" y="2348189"/>
+                  </a:lnTo>
+                  <a:lnTo>
+                    <a:pt x="101851" y="2406668"/>
+                  </a:lnTo>
+                  <a:lnTo>
+                    <a:pt x="123225" y="2464452"/>
+                  </a:lnTo>
+                  <a:lnTo>
+                    <a:pt x="146554" y="2521474"/>
+                  </a:lnTo>
+                  <a:lnTo>
+                    <a:pt x="171813" y="2577669"/>
+                  </a:lnTo>
+                  <a:lnTo>
+                    <a:pt x="198971" y="2632970"/>
+                  </a:lnTo>
+                  <a:lnTo>
+                    <a:pt x="227998" y="2687315"/>
+                  </a:lnTo>
+                  <a:lnTo>
+                    <a:pt x="258858" y="2740639"/>
+                  </a:lnTo>
+                  <a:lnTo>
+                    <a:pt x="291518" y="2792880"/>
+                  </a:lnTo>
+                  <a:lnTo>
+                    <a:pt x="325938" y="2843979"/>
+                  </a:lnTo>
+                  <a:lnTo>
+                    <a:pt x="362078" y="2893876"/>
+                  </a:lnTo>
+                  <a:lnTo>
+                    <a:pt x="399898" y="2942512"/>
+                  </a:lnTo>
+                  <a:lnTo>
+                    <a:pt x="439352" y="2989832"/>
+                  </a:lnTo>
+                  <a:lnTo>
+                    <a:pt x="480396" y="3035781"/>
+                  </a:lnTo>
+                  <a:lnTo>
+                    <a:pt x="522981" y="3080304"/>
+                  </a:lnTo>
+                  <a:lnTo>
+                    <a:pt x="567058" y="3123351"/>
+                  </a:lnTo>
+                  <a:lnTo>
+                    <a:pt x="612576" y="3164872"/>
+                  </a:lnTo>
+                  <a:lnTo>
+                    <a:pt x="659482" y="3204818"/>
+                  </a:lnTo>
+                  <a:lnTo>
+                    <a:pt x="707721" y="3243143"/>
+                  </a:lnTo>
+                  <a:lnTo>
+                    <a:pt x="757238" y="3279802"/>
+                  </a:lnTo>
+                  <a:lnTo>
+                    <a:pt x="807975" y="3314753"/>
+                  </a:lnTo>
+                  <a:lnTo>
+                    <a:pt x="859873" y="3347956"/>
+                  </a:lnTo>
+                  <a:lnTo>
+                    <a:pt x="912872" y="3379371"/>
+                  </a:lnTo>
+                  <a:lnTo>
+                    <a:pt x="966911" y="3408962"/>
+                  </a:lnTo>
+                  <a:lnTo>
+                    <a:pt x="1021926" y="3436696"/>
+                  </a:lnTo>
+                  <a:lnTo>
+                    <a:pt x="1077854" y="3462539"/>
+                  </a:lnTo>
+                  <a:lnTo>
+                    <a:pt x="1134630" y="3486463"/>
+                  </a:lnTo>
+                  <a:lnTo>
+                    <a:pt x="1192188" y="3508438"/>
+                  </a:lnTo>
+                  <a:lnTo>
+                    <a:pt x="1250461" y="3528439"/>
+                  </a:lnTo>
+                  <a:lnTo>
+                    <a:pt x="1309382" y="3546444"/>
+                  </a:lnTo>
+                  <a:lnTo>
+                    <a:pt x="1368882" y="3562432"/>
+                  </a:lnTo>
+                  <a:lnTo>
+                    <a:pt x="1428892" y="3576383"/>
+                  </a:lnTo>
+                  <a:lnTo>
+                    <a:pt x="1489342" y="3588282"/>
+                  </a:lnTo>
+                  <a:lnTo>
+                    <a:pt x="1550163" y="3598114"/>
+                  </a:lnTo>
+                  <a:lnTo>
+                    <a:pt x="1611283" y="3605869"/>
+                  </a:lnTo>
+                  <a:lnTo>
+                    <a:pt x="1672632" y="3611538"/>
+                  </a:lnTo>
+                  <a:lnTo>
+                    <a:pt x="1734139" y="3615113"/>
+                  </a:lnTo>
+                  <a:lnTo>
+                    <a:pt x="1795731" y="3616591"/>
+                  </a:lnTo>
+                  <a:lnTo>
+                    <a:pt x="1857338" y="3615970"/>
+                  </a:lnTo>
+                  <a:lnTo>
+                    <a:pt x="1918889" y="3613250"/>
+                  </a:lnTo>
+                  <a:lnTo>
+                    <a:pt x="1980310" y="3608435"/>
+                  </a:lnTo>
+                  <a:lnTo>
+                    <a:pt x="2041533" y="3601531"/>
+                  </a:lnTo>
+                  <a:lnTo>
+                    <a:pt x="2102484" y="3592545"/>
+                  </a:lnTo>
+                  <a:lnTo>
+                    <a:pt x="2163094" y="3581488"/>
+                  </a:lnTo>
+                  <a:lnTo>
+                    <a:pt x="2223292" y="3568373"/>
+                  </a:lnTo>
+                  <a:lnTo>
+                    <a:pt x="2283009" y="3553215"/>
+                  </a:lnTo>
+                  <a:lnTo>
+                    <a:pt x="2342174" y="3536031"/>
+                  </a:lnTo>
+                  <a:lnTo>
+                    <a:pt x="2400720" y="3516842"/>
+                  </a:lnTo>
+                  <a:lnTo>
+                    <a:pt x="2458578" y="3495669"/>
+                  </a:lnTo>
+                  <a:lnTo>
+                    <a:pt x="2515681" y="3472538"/>
+                  </a:lnTo>
+                  <a:lnTo>
+                    <a:pt x="2571963" y="3447475"/>
+                  </a:lnTo>
+                  <a:lnTo>
+                    <a:pt x="2627359" y="3420509"/>
+                  </a:lnTo>
+                  <a:lnTo>
+                    <a:pt x="2681804" y="3391672"/>
+                  </a:lnTo>
+                  <a:lnTo>
+                    <a:pt x="2735235" y="3360997"/>
+                  </a:lnTo>
+                  <a:lnTo>
+                    <a:pt x="2787590" y="3328519"/>
+                  </a:lnTo>
+                  <a:lnTo>
+                    <a:pt x="2838808" y="3294277"/>
+                  </a:lnTo>
+                  <a:lnTo>
+                    <a:pt x="2888830" y="3258310"/>
+                  </a:lnTo>
+                  <a:lnTo>
+                    <a:pt x="2937597" y="3220660"/>
+                  </a:lnTo>
+                  <a:lnTo>
+                    <a:pt x="2985054" y="3181370"/>
+                  </a:lnTo>
+                  <a:lnTo>
+                    <a:pt x="3031145" y="3140487"/>
+                  </a:lnTo>
+                  <a:lnTo>
+                    <a:pt x="3075817" y="3098057"/>
+                  </a:lnTo>
+                  <a:lnTo>
+                    <a:pt x="3119017" y="3054130"/>
+                  </a:lnTo>
+                  <a:lnTo>
+                    <a:pt x="3160695" y="3008757"/>
+                  </a:lnTo>
+                  <a:lnTo>
+                    <a:pt x="3200804" y="2961990"/>
+                  </a:lnTo>
+                  <a:lnTo>
+                    <a:pt x="3239296" y="2913884"/>
+                  </a:lnTo>
+                  <a:lnTo>
+                    <a:pt x="3276127" y="2864495"/>
+                  </a:lnTo>
+                  <a:lnTo>
+                    <a:pt x="3311255" y="2813880"/>
+                  </a:lnTo>
+                  <a:lnTo>
+                    <a:pt x="3344638" y="2762097"/>
+                  </a:lnTo>
+                  <a:lnTo>
+                    <a:pt x="3376237" y="2709208"/>
+                  </a:lnTo>
+                  <a:lnTo>
+                    <a:pt x="3406016" y="2655273"/>
+                  </a:lnTo>
+                  <a:lnTo>
+                    <a:pt x="3433941" y="2600354"/>
+                  </a:lnTo>
+                  <a:lnTo>
+                    <a:pt x="3459979" y="2544516"/>
+                  </a:lnTo>
+                  <a:lnTo>
+                    <a:pt x="3484099" y="2487824"/>
+                  </a:lnTo>
+                  <a:lnTo>
+                    <a:pt x="3506274" y="2430342"/>
+                  </a:lnTo>
+                  <a:lnTo>
+                    <a:pt x="3526478" y="2372139"/>
+                  </a:lnTo>
+                  <a:lnTo>
+                    <a:pt x="3544688" y="2313281"/>
+                  </a:lnTo>
+                  <a:lnTo>
+                    <a:pt x="3560882" y="2253838"/>
+                  </a:lnTo>
+                  <a:lnTo>
+                    <a:pt x="3575042" y="2193876"/>
+                  </a:lnTo>
+                  <a:lnTo>
+                    <a:pt x="3587151" y="2133468"/>
+                  </a:lnTo>
+                  <a:lnTo>
+                    <a:pt x="3597195" y="2072682"/>
+                  </a:lnTo>
+                  <a:lnTo>
+                    <a:pt x="3605162" y="2011589"/>
+                  </a:lnTo>
+                  <a:lnTo>
+                    <a:pt x="3611044" y="1950260"/>
+                  </a:lnTo>
+                  <a:lnTo>
+                    <a:pt x="3614833" y="1888766"/>
+                  </a:lnTo>
+                  <a:lnTo>
+                    <a:pt x="3552539" y="1885992"/>
+                  </a:lnTo>
+                  <a:lnTo>
+                    <a:pt x="3490245" y="1883218"/>
+                  </a:lnTo>
+                  <a:lnTo>
+                    <a:pt x="3427951" y="1880444"/>
+                  </a:lnTo>
+                  <a:lnTo>
+                    <a:pt x="3365657" y="1877670"/>
+                  </a:lnTo>
+                  <a:lnTo>
+                    <a:pt x="3303363" y="1874896"/>
+                  </a:lnTo>
+                  <a:lnTo>
+                    <a:pt x="3241069" y="1872122"/>
+                  </a:lnTo>
+                  <a:lnTo>
+                    <a:pt x="3178775" y="1869347"/>
+                  </a:lnTo>
+                  <a:lnTo>
+                    <a:pt x="3116481" y="1866573"/>
+                  </a:lnTo>
+                  <a:lnTo>
+                    <a:pt x="3054187" y="1863799"/>
+                  </a:lnTo>
+                  <a:lnTo>
+                    <a:pt x="2991893" y="1861025"/>
+                  </a:lnTo>
+                  <a:lnTo>
+                    <a:pt x="2929599" y="1858251"/>
+                  </a:lnTo>
+                  <a:lnTo>
+                    <a:pt x="2867305" y="1855477"/>
+                  </a:lnTo>
+                  <a:lnTo>
+                    <a:pt x="2805011" y="1852703"/>
+                  </a:lnTo>
+                  <a:lnTo>
+                    <a:pt x="2742717" y="1849929"/>
+                  </a:lnTo>
+                  <a:lnTo>
+                    <a:pt x="2680423" y="1847155"/>
+                  </a:lnTo>
+                  <a:lnTo>
+                    <a:pt x="2618128" y="1844380"/>
+                  </a:lnTo>
+                  <a:lnTo>
+                    <a:pt x="2555834" y="1841606"/>
+                  </a:lnTo>
+                  <a:lnTo>
+                    <a:pt x="2493540" y="1838832"/>
+                  </a:lnTo>
+                  <a:lnTo>
+                    <a:pt x="2431246" y="1836058"/>
+                  </a:lnTo>
+                  <a:lnTo>
+                    <a:pt x="2368952" y="1833284"/>
+                  </a:lnTo>
+                  <a:lnTo>
+                    <a:pt x="2306658" y="1830510"/>
+                  </a:lnTo>
+                  <a:lnTo>
+                    <a:pt x="2244364" y="1827736"/>
+                  </a:lnTo>
+                  <a:lnTo>
+                    <a:pt x="2182070" y="1824962"/>
+                  </a:lnTo>
+                  <a:lnTo>
+                    <a:pt x="2119776" y="1822188"/>
+                  </a:lnTo>
+                  <a:lnTo>
+                    <a:pt x="2057482" y="1819413"/>
+                  </a:lnTo>
+                  <a:lnTo>
+                    <a:pt x="1995188" y="1816639"/>
+                  </a:lnTo>
+                  <a:lnTo>
+                    <a:pt x="1932894" y="1813865"/>
+                  </a:lnTo>
+                  <a:lnTo>
+                    <a:pt x="1870600" y="1811091"/>
                   </a:lnTo>
                   <a:close/>
                 </a:path>
@@ -4140,7 +4137,7 @@
           </p:nvSpPr>
           <p:spPr>
             <a:xfrm>
-              <a:off x="5499595" y="3112352"/>
+              <a:off x="5483614" y="3095204"/>
               <a:ext cx="409835" cy="109040"/>
             </a:xfrm>
             <a:prstGeom prst="rect">
@@ -4173,7 +4170,7 @@
                   <a:latin typeface="Arial"/>
                   <a:cs typeface="Arial"/>
                 </a:rPr>
-                <a:t>26.5%</a:t>
+                <a:t>25.7%</a:t>
               </a:r>
             </a:p>
           </p:txBody>
@@ -4186,7 +4183,7 @@
           </p:nvSpPr>
           <p:spPr>
             <a:xfrm>
-              <a:off x="4160826" y="4327963"/>
+              <a:off x="4176807" y="4345111"/>
               <a:ext cx="409835" cy="109040"/>
             </a:xfrm>
             <a:prstGeom prst="rect">
@@ -4219,7 +4216,7 @@
                   <a:latin typeface="Arial"/>
                   <a:cs typeface="Arial"/>
                 </a:rPr>
-                <a:t>73.5%</a:t>
+                <a:t>74.3%</a:t>
               </a:r>
             </a:p>
           </p:txBody>
@@ -4232,7 +4229,7 @@
           </p:nvSpPr>
           <p:spPr>
             <a:xfrm>
-              <a:off x="5497352" y="3108995"/>
+              <a:off x="5481371" y="3091847"/>
               <a:ext cx="409835" cy="109040"/>
             </a:xfrm>
             <a:prstGeom prst="rect">
@@ -4265,7 +4262,7 @@
                   <a:latin typeface="Arial"/>
                   <a:cs typeface="Arial"/>
                 </a:rPr>
-                <a:t>26.5%</a:t>
+                <a:t>25.7%</a:t>
               </a:r>
             </a:p>
           </p:txBody>
@@ -4278,7 +4275,7 @@
           </p:nvSpPr>
           <p:spPr>
             <a:xfrm>
-              <a:off x="4158583" y="4324606"/>
+              <a:off x="4174564" y="4341754"/>
               <a:ext cx="409835" cy="109040"/>
             </a:xfrm>
             <a:prstGeom prst="rect">
@@ -4311,7 +4308,7 @@
                   <a:latin typeface="Arial"/>
                   <a:cs typeface="Arial"/>
                 </a:rPr>
-                <a:t>73.5%</a:t>
+                <a:t>74.3%</a:t>
               </a:r>
             </a:p>
           </p:txBody>
@@ -4324,7 +4321,7 @@
           </p:nvSpPr>
           <p:spPr>
             <a:xfrm>
-              <a:off x="5493995" y="3106752"/>
+              <a:off x="5478014" y="3089604"/>
               <a:ext cx="409835" cy="109040"/>
             </a:xfrm>
             <a:prstGeom prst="rect">
@@ -4357,7 +4354,7 @@
                   <a:latin typeface="Arial"/>
                   <a:cs typeface="Arial"/>
                 </a:rPr>
-                <a:t>26.5%</a:t>
+                <a:t>25.7%</a:t>
               </a:r>
             </a:p>
           </p:txBody>
@@ -4370,7 +4367,7 @@
           </p:nvSpPr>
           <p:spPr>
             <a:xfrm>
-              <a:off x="4155226" y="4322363"/>
+              <a:off x="4171207" y="4339511"/>
               <a:ext cx="409835" cy="109040"/>
             </a:xfrm>
             <a:prstGeom prst="rect">
@@ -4403,7 +4400,7 @@
                   <a:latin typeface="Arial"/>
                   <a:cs typeface="Arial"/>
                 </a:rPr>
-                <a:t>73.5%</a:t>
+                <a:t>74.3%</a:t>
               </a:r>
             </a:p>
           </p:txBody>
@@ -4416,7 +4413,7 @@
           </p:nvSpPr>
           <p:spPr>
             <a:xfrm>
-              <a:off x="5490036" y="3105965"/>
+              <a:off x="5474055" y="3088817"/>
               <a:ext cx="409835" cy="109040"/>
             </a:xfrm>
             <a:prstGeom prst="rect">
@@ -4449,7 +4446,7 @@
                   <a:latin typeface="Arial"/>
                   <a:cs typeface="Arial"/>
                 </a:rPr>
-                <a:t>26.5%</a:t>
+                <a:t>25.7%</a:t>
               </a:r>
             </a:p>
           </p:txBody>
@@ -4462,7 +4459,7 @@
           </p:nvSpPr>
           <p:spPr>
             <a:xfrm>
-              <a:off x="4151267" y="4321576"/>
+              <a:off x="4167248" y="4338724"/>
               <a:ext cx="409835" cy="109040"/>
             </a:xfrm>
             <a:prstGeom prst="rect">
@@ -4495,7 +4492,7 @@
                   <a:latin typeface="Arial"/>
                   <a:cs typeface="Arial"/>
                 </a:rPr>
-                <a:t>73.5%</a:t>
+                <a:t>74.3%</a:t>
               </a:r>
             </a:p>
           </p:txBody>
@@ -4508,7 +4505,7 @@
           </p:nvSpPr>
           <p:spPr>
             <a:xfrm>
-              <a:off x="5486076" y="3106752"/>
+              <a:off x="5470095" y="3089604"/>
               <a:ext cx="409835" cy="109040"/>
             </a:xfrm>
             <a:prstGeom prst="rect">
@@ -4541,7 +4538,7 @@
                   <a:latin typeface="Arial"/>
                   <a:cs typeface="Arial"/>
                 </a:rPr>
-                <a:t>26.5%</a:t>
+                <a:t>25.7%</a:t>
               </a:r>
             </a:p>
           </p:txBody>
@@ -4554,7 +4551,7 @@
           </p:nvSpPr>
           <p:spPr>
             <a:xfrm>
-              <a:off x="4147307" y="4322363"/>
+              <a:off x="4163288" y="4339511"/>
               <a:ext cx="409835" cy="109040"/>
             </a:xfrm>
             <a:prstGeom prst="rect">
@@ -4587,7 +4584,7 @@
                   <a:latin typeface="Arial"/>
                   <a:cs typeface="Arial"/>
                 </a:rPr>
-                <a:t>73.5%</a:t>
+                <a:t>74.3%</a:t>
               </a:r>
             </a:p>
           </p:txBody>
@@ -4600,7 +4597,7 @@
           </p:nvSpPr>
           <p:spPr>
             <a:xfrm>
-              <a:off x="5482720" y="3108995"/>
+              <a:off x="5466739" y="3091847"/>
               <a:ext cx="409835" cy="109040"/>
             </a:xfrm>
             <a:prstGeom prst="rect">
@@ -4633,7 +4630,7 @@
                   <a:latin typeface="Arial"/>
                   <a:cs typeface="Arial"/>
                 </a:rPr>
-                <a:t>26.5%</a:t>
+                <a:t>25.7%</a:t>
               </a:r>
             </a:p>
           </p:txBody>
@@ -4646,7 +4643,7 @@
           </p:nvSpPr>
           <p:spPr>
             <a:xfrm>
-              <a:off x="4143951" y="4324606"/>
+              <a:off x="4159932" y="4341754"/>
               <a:ext cx="409835" cy="109040"/>
             </a:xfrm>
             <a:prstGeom prst="rect">
@@ -4679,7 +4676,7 @@
                   <a:latin typeface="Arial"/>
                   <a:cs typeface="Arial"/>
                 </a:rPr>
-                <a:t>73.5%</a:t>
+                <a:t>74.3%</a:t>
               </a:r>
             </a:p>
           </p:txBody>
@@ -4692,7 +4689,7 @@
           </p:nvSpPr>
           <p:spPr>
             <a:xfrm>
-              <a:off x="5480477" y="3112352"/>
+              <a:off x="5464496" y="3095204"/>
               <a:ext cx="409835" cy="109040"/>
             </a:xfrm>
             <a:prstGeom prst="rect">
@@ -4725,7 +4722,7 @@
                   <a:latin typeface="Arial"/>
                   <a:cs typeface="Arial"/>
                 </a:rPr>
-                <a:t>26.5%</a:t>
+                <a:t>25.7%</a:t>
               </a:r>
             </a:p>
           </p:txBody>
@@ -4738,7 +4735,7 @@
           </p:nvSpPr>
           <p:spPr>
             <a:xfrm>
-              <a:off x="4141708" y="4327963"/>
+              <a:off x="4157689" y="4345111"/>
               <a:ext cx="409835" cy="109040"/>
             </a:xfrm>
             <a:prstGeom prst="rect">
@@ -4771,7 +4768,7 @@
                   <a:latin typeface="Arial"/>
                   <a:cs typeface="Arial"/>
                 </a:rPr>
-                <a:t>73.5%</a:t>
+                <a:t>74.3%</a:t>
               </a:r>
             </a:p>
           </p:txBody>
@@ -4784,7 +4781,7 @@
           </p:nvSpPr>
           <p:spPr>
             <a:xfrm>
-              <a:off x="5479689" y="3116311"/>
+              <a:off x="5463708" y="3099163"/>
               <a:ext cx="409835" cy="109040"/>
             </a:xfrm>
             <a:prstGeom prst="rect">
@@ -4817,7 +4814,7 @@
                   <a:latin typeface="Arial"/>
                   <a:cs typeface="Arial"/>
                 </a:rPr>
-                <a:t>26.5%</a:t>
+                <a:t>25.7%</a:t>
               </a:r>
             </a:p>
           </p:txBody>
@@ -4830,7 +4827,7 @@
           </p:nvSpPr>
           <p:spPr>
             <a:xfrm>
-              <a:off x="4140920" y="4331922"/>
+              <a:off x="4156901" y="4349070"/>
               <a:ext cx="409835" cy="109040"/>
             </a:xfrm>
             <a:prstGeom prst="rect">
@@ -4863,7 +4860,7 @@
                   <a:latin typeface="Arial"/>
                   <a:cs typeface="Arial"/>
                 </a:rPr>
-                <a:t>73.5%</a:t>
+                <a:t>74.3%</a:t>
               </a:r>
             </a:p>
           </p:txBody>
@@ -4876,7 +4873,7 @@
           </p:nvSpPr>
           <p:spPr>
             <a:xfrm>
-              <a:off x="5480477" y="3120271"/>
+              <a:off x="5464496" y="3103123"/>
               <a:ext cx="409835" cy="109040"/>
             </a:xfrm>
             <a:prstGeom prst="rect">
@@ -4909,7 +4906,7 @@
                   <a:latin typeface="Arial"/>
                   <a:cs typeface="Arial"/>
                 </a:rPr>
-                <a:t>26.5%</a:t>
+                <a:t>25.7%</a:t>
               </a:r>
             </a:p>
           </p:txBody>
@@ -4922,7 +4919,7 @@
           </p:nvSpPr>
           <p:spPr>
             <a:xfrm>
-              <a:off x="4141708" y="4335882"/>
+              <a:off x="4157689" y="4353029"/>
               <a:ext cx="409835" cy="109040"/>
             </a:xfrm>
             <a:prstGeom prst="rect">
@@ -4955,7 +4952,7 @@
                   <a:latin typeface="Arial"/>
                   <a:cs typeface="Arial"/>
                 </a:rPr>
-                <a:t>73.5%</a:t>
+                <a:t>74.3%</a:t>
               </a:r>
             </a:p>
           </p:txBody>
@@ -4968,7 +4965,7 @@
           </p:nvSpPr>
           <p:spPr>
             <a:xfrm>
-              <a:off x="5482720" y="3123627"/>
+              <a:off x="5466739" y="3106479"/>
               <a:ext cx="409835" cy="109040"/>
             </a:xfrm>
             <a:prstGeom prst="rect">
@@ -5001,7 +4998,7 @@
                   <a:latin typeface="Arial"/>
                   <a:cs typeface="Arial"/>
                 </a:rPr>
-                <a:t>26.5%</a:t>
+                <a:t>25.7%</a:t>
               </a:r>
             </a:p>
           </p:txBody>
@@ -5014,7 +5011,7 @@
           </p:nvSpPr>
           <p:spPr>
             <a:xfrm>
-              <a:off x="4143951" y="4339238"/>
+              <a:off x="4159932" y="4356386"/>
               <a:ext cx="409835" cy="109040"/>
             </a:xfrm>
             <a:prstGeom prst="rect">
@@ -5047,7 +5044,7 @@
                   <a:latin typeface="Arial"/>
                   <a:cs typeface="Arial"/>
                 </a:rPr>
-                <a:t>73.5%</a:t>
+                <a:t>74.3%</a:t>
               </a:r>
             </a:p>
           </p:txBody>
@@ -5060,7 +5057,7 @@
           </p:nvSpPr>
           <p:spPr>
             <a:xfrm>
-              <a:off x="5486076" y="3125870"/>
+              <a:off x="5470095" y="3108722"/>
               <a:ext cx="409835" cy="109040"/>
             </a:xfrm>
             <a:prstGeom prst="rect">
@@ -5093,7 +5090,7 @@
                   <a:latin typeface="Arial"/>
                   <a:cs typeface="Arial"/>
                 </a:rPr>
-                <a:t>26.5%</a:t>
+                <a:t>25.7%</a:t>
               </a:r>
             </a:p>
           </p:txBody>
@@ -5106,7 +5103,7 @@
           </p:nvSpPr>
           <p:spPr>
             <a:xfrm>
-              <a:off x="4147307" y="4341481"/>
+              <a:off x="4163288" y="4358629"/>
               <a:ext cx="409835" cy="109040"/>
             </a:xfrm>
             <a:prstGeom prst="rect">
@@ -5139,7 +5136,7 @@
                   <a:latin typeface="Arial"/>
                   <a:cs typeface="Arial"/>
                 </a:rPr>
-                <a:t>73.5%</a:t>
+                <a:t>74.3%</a:t>
               </a:r>
             </a:p>
           </p:txBody>
@@ -5152,7 +5149,7 @@
           </p:nvSpPr>
           <p:spPr>
             <a:xfrm>
-              <a:off x="5490036" y="3126658"/>
+              <a:off x="5474055" y="3109510"/>
               <a:ext cx="409835" cy="109040"/>
             </a:xfrm>
             <a:prstGeom prst="rect">
@@ -5185,7 +5182,7 @@
                   <a:latin typeface="Arial"/>
                   <a:cs typeface="Arial"/>
                 </a:rPr>
-                <a:t>26.5%</a:t>
+                <a:t>25.7%</a:t>
               </a:r>
             </a:p>
           </p:txBody>
@@ -5198,7 +5195,7 @@
           </p:nvSpPr>
           <p:spPr>
             <a:xfrm>
-              <a:off x="4151267" y="4342269"/>
+              <a:off x="4167248" y="4359417"/>
               <a:ext cx="409835" cy="109040"/>
             </a:xfrm>
             <a:prstGeom prst="rect">
@@ -5231,7 +5228,7 @@
                   <a:latin typeface="Arial"/>
                   <a:cs typeface="Arial"/>
                 </a:rPr>
-                <a:t>73.5%</a:t>
+                <a:t>74.3%</a:t>
               </a:r>
             </a:p>
           </p:txBody>
@@ -5244,7 +5241,7 @@
           </p:nvSpPr>
           <p:spPr>
             <a:xfrm>
-              <a:off x="5493995" y="3125870"/>
+              <a:off x="5478014" y="3108722"/>
               <a:ext cx="409835" cy="109040"/>
             </a:xfrm>
             <a:prstGeom prst="rect">
@@ -5277,7 +5274,7 @@
                   <a:latin typeface="Arial"/>
                   <a:cs typeface="Arial"/>
                 </a:rPr>
-                <a:t>26.5%</a:t>
+                <a:t>25.7%</a:t>
               </a:r>
             </a:p>
           </p:txBody>
@@ -5290,7 +5287,7 @@
           </p:nvSpPr>
           <p:spPr>
             <a:xfrm>
-              <a:off x="4155226" y="4341481"/>
+              <a:off x="4171207" y="4358629"/>
               <a:ext cx="409835" cy="109040"/>
             </a:xfrm>
             <a:prstGeom prst="rect">
@@ -5323,7 +5320,7 @@
                   <a:latin typeface="Arial"/>
                   <a:cs typeface="Arial"/>
                 </a:rPr>
-                <a:t>73.5%</a:t>
+                <a:t>74.3%</a:t>
               </a:r>
             </a:p>
           </p:txBody>
@@ -5336,7 +5333,7 @@
           </p:nvSpPr>
           <p:spPr>
             <a:xfrm>
-              <a:off x="5497352" y="3123627"/>
+              <a:off x="5481371" y="3106479"/>
               <a:ext cx="409835" cy="109040"/>
             </a:xfrm>
             <a:prstGeom prst="rect">
@@ -5369,7 +5366,7 @@
                   <a:latin typeface="Arial"/>
                   <a:cs typeface="Arial"/>
                 </a:rPr>
-                <a:t>26.5%</a:t>
+                <a:t>25.7%</a:t>
               </a:r>
             </a:p>
           </p:txBody>
@@ -5382,7 +5379,7 @@
           </p:nvSpPr>
           <p:spPr>
             <a:xfrm>
-              <a:off x="4158583" y="4339238"/>
+              <a:off x="4174564" y="4356386"/>
               <a:ext cx="409835" cy="109040"/>
             </a:xfrm>
             <a:prstGeom prst="rect">
@@ -5415,7 +5412,7 @@
                   <a:latin typeface="Arial"/>
                   <a:cs typeface="Arial"/>
                 </a:rPr>
-                <a:t>73.5%</a:t>
+                <a:t>74.3%</a:t>
               </a:r>
             </a:p>
           </p:txBody>
@@ -5428,7 +5425,7 @@
           </p:nvSpPr>
           <p:spPr>
             <a:xfrm>
-              <a:off x="5499595" y="3120271"/>
+              <a:off x="5483614" y="3103123"/>
               <a:ext cx="409835" cy="109040"/>
             </a:xfrm>
             <a:prstGeom prst="rect">
@@ -5461,7 +5458,7 @@
                   <a:latin typeface="Arial"/>
                   <a:cs typeface="Arial"/>
                 </a:rPr>
-                <a:t>26.5%</a:t>
+                <a:t>25.7%</a:t>
               </a:r>
             </a:p>
           </p:txBody>
@@ -5474,7 +5471,7 @@
           </p:nvSpPr>
           <p:spPr>
             <a:xfrm>
-              <a:off x="4160826" y="4335882"/>
+              <a:off x="4176807" y="4353029"/>
               <a:ext cx="409835" cy="109040"/>
             </a:xfrm>
             <a:prstGeom prst="rect">
@@ -5507,7 +5504,7 @@
                   <a:latin typeface="Arial"/>
                   <a:cs typeface="Arial"/>
                 </a:rPr>
-                <a:t>73.5%</a:t>
+                <a:t>74.3%</a:t>
               </a:r>
             </a:p>
           </p:txBody>
@@ -5520,7 +5517,7 @@
           </p:nvSpPr>
           <p:spPr>
             <a:xfrm>
-              <a:off x="5500382" y="3116311"/>
+              <a:off x="5484401" y="3099163"/>
               <a:ext cx="409835" cy="109040"/>
             </a:xfrm>
             <a:prstGeom prst="rect">
@@ -5553,7 +5550,7 @@
                   <a:latin typeface="Arial"/>
                   <a:cs typeface="Arial"/>
                 </a:rPr>
-                <a:t>26.5%</a:t>
+                <a:t>25.7%</a:t>
               </a:r>
             </a:p>
           </p:txBody>
@@ -5566,7 +5563,7 @@
           </p:nvSpPr>
           <p:spPr>
             <a:xfrm>
-              <a:off x="4161613" y="4331922"/>
+              <a:off x="4177594" y="4349070"/>
               <a:ext cx="409835" cy="109040"/>
             </a:xfrm>
             <a:prstGeom prst="rect">
@@ -5599,7 +5596,7 @@
                   <a:latin typeface="Arial"/>
                   <a:cs typeface="Arial"/>
                 </a:rPr>
-                <a:t>73.5%</a:t>
+                <a:t>74.3%</a:t>
               </a:r>
             </a:p>
           </p:txBody>
@@ -5612,7 +5609,7 @@
           </p:nvSpPr>
           <p:spPr>
             <a:xfrm>
-              <a:off x="5490036" y="3116311"/>
+              <a:off x="5474055" y="3099163"/>
               <a:ext cx="409835" cy="109040"/>
             </a:xfrm>
             <a:prstGeom prst="rect">
@@ -5645,7 +5642,7 @@
                   <a:latin typeface="Arial"/>
                   <a:cs typeface="Arial"/>
                 </a:rPr>
-                <a:t>26.5%</a:t>
+                <a:t>25.7%</a:t>
               </a:r>
             </a:p>
           </p:txBody>
@@ -5658,7 +5655,7 @@
           </p:nvSpPr>
           <p:spPr>
             <a:xfrm>
-              <a:off x="4151267" y="4331922"/>
+              <a:off x="4167248" y="4349070"/>
               <a:ext cx="409835" cy="109040"/>
             </a:xfrm>
             <a:prstGeom prst="rect">
@@ -5691,7 +5688,7 @@
                   <a:latin typeface="Arial"/>
                   <a:cs typeface="Arial"/>
                 </a:rPr>
-                <a:t>73.5%</a:t>
+                <a:t>74.3%</a:t>
               </a:r>
             </a:p>
           </p:txBody>
